--- a/Tps_Stories.pptx
+++ b/Tps_Stories.pptx
@@ -4059,7 +4059,7 @@
     <mc:Choice Requires="p14">
       <p:transition spd="slow" p14:dur="2000"/>
     </mc:Choice>
-    <mc:Fallback xmlns="" xmlns:p15="http://schemas.microsoft.com/office/powerpoint/2012/main">
+    <mc:Fallback xmlns:p15="http://schemas.microsoft.com/office/powerpoint/2012/main" xmlns="">
       <p:transition spd="slow"/>
     </mc:Fallback>
   </mc:AlternateContent>
@@ -5579,7 +5579,7 @@
     <mc:Choice Requires="p14">
       <p:transition spd="slow" p14:dur="2000"/>
     </mc:Choice>
-    <mc:Fallback xmlns="" xmlns:p15="http://schemas.microsoft.com/office/powerpoint/2012/main">
+    <mc:Fallback xmlns:p15="http://schemas.microsoft.com/office/powerpoint/2012/main" xmlns="">
       <p:transition spd="slow"/>
     </mc:Fallback>
   </mc:AlternateContent>
@@ -6597,31 +6597,51 @@
               </a:lnSpc>
             </a:pPr>
             <a:r>
-              <a:rPr lang="en-US" sz="1800" b="0" strike="noStrike" spc="-1">
+              <a:rPr lang="en-US" sz="1800" b="0" strike="noStrike" spc="-1" dirty="0">
                 <a:solidFill>
                   <a:srgbClr val="000000"/>
                 </a:solidFill>
                 <a:latin typeface="Calibri"/>
                 <a:ea typeface="DejaVu Sans"/>
               </a:rPr>
-              <a:t>Program takes input from user and makes sure they are numbers</a:t>
+              <a:t>Program takes input from user and makes sure </a:t>
             </a:r>
-            <a:endParaRPr lang="en-US" sz="1800" b="0" strike="noStrike" spc="-1">
-              <a:latin typeface="Arial"/>
-            </a:endParaRPr>
-          </a:p>
-        </p:txBody>
-      </p:sp>
-      <p:sp>
-        <p:nvSpPr>
-          <p:cNvPr id="312" name="CustomShape 23"/>
+            <a:r>
+              <a:rPr lang="en-US" spc="-1" dirty="0" smtClean="0">
+                <a:solidFill>
+                  <a:srgbClr val="000000"/>
+                </a:solidFill>
+                <a:latin typeface="Calibri"/>
+                <a:ea typeface="DejaVu Sans"/>
+              </a:rPr>
+              <a:t>it </a:t>
+            </a:r>
+            <a:r>
+              <a:rPr lang="en-US" spc="-1" smtClean="0">
+                <a:solidFill>
+                  <a:srgbClr val="000000"/>
+                </a:solidFill>
+                <a:latin typeface="Calibri"/>
+                <a:ea typeface="DejaVu Sans"/>
+              </a:rPr>
+              <a:t>is secure</a:t>
+            </a:r>
+            <a:endParaRPr lang="en-US" sz="1800" b="0" strike="noStrike" spc="-1" dirty="0">
+              <a:latin typeface="Arial"/>
+            </a:endParaRPr>
+          </a:p>
+        </p:txBody>
+      </p:sp>
+      <p:sp>
+        <p:nvSpPr>
+          <p:cNvPr id="319" name="CustomShape 30"/>
           <p:cNvSpPr/>
           <p:nvPr/>
         </p:nvSpPr>
         <p:spPr>
           <a:xfrm>
-            <a:off x="2897640" y="1927080"/>
-            <a:ext cx="5160960" cy="363960"/>
+            <a:off x="1043280" y="1459800"/>
+            <a:ext cx="1809360" cy="363960"/>
           </a:xfrm>
           <a:prstGeom prst="rect">
             <a:avLst/>
@@ -6653,449 +6673,7 @@
               </a:lnSpc>
             </a:pPr>
             <a:r>
-              <a:rPr lang="en-US" sz="1800" b="0" strike="noStrike" spc="-1">
-                <a:solidFill>
-                  <a:srgbClr val="000000"/>
-                </a:solidFill>
-                <a:latin typeface="Calibri"/>
-                <a:ea typeface="DejaVu Sans"/>
-              </a:rPr>
-              <a:t>Each number is checked and stored as a floating point</a:t>
-            </a:r>
-            <a:endParaRPr lang="en-US" sz="1800" b="0" strike="noStrike" spc="-1">
-              <a:latin typeface="Arial"/>
-            </a:endParaRPr>
-          </a:p>
-        </p:txBody>
-      </p:sp>
-      <p:sp>
-        <p:nvSpPr>
-          <p:cNvPr id="313" name="CustomShape 24"/>
-          <p:cNvSpPr/>
-          <p:nvPr/>
-        </p:nvSpPr>
-        <p:spPr>
-          <a:xfrm>
-            <a:off x="2866320" y="2355840"/>
-            <a:ext cx="3365640" cy="363960"/>
-          </a:xfrm>
-          <a:prstGeom prst="rect">
-            <a:avLst/>
-          </a:prstGeom>
-          <a:noFill/>
-          <a:ln>
-            <a:noFill/>
-          </a:ln>
-        </p:spPr>
-        <p:style>
-          <a:lnRef idx="0">
-            <a:scrgbClr r="0" g="0" b="0"/>
-          </a:lnRef>
-          <a:fillRef idx="0">
-            <a:scrgbClr r="0" g="0" b="0"/>
-          </a:fillRef>
-          <a:effectRef idx="0">
-            <a:scrgbClr r="0" g="0" b="0"/>
-          </a:effectRef>
-          <a:fontRef idx="minor"/>
-        </p:style>
-        <p:txBody>
-          <a:bodyPr wrap="none" lIns="90000" tIns="45000" rIns="90000" bIns="45000"/>
-          <a:lstStyle/>
-          <a:p>
-            <a:pPr>
-              <a:lnSpc>
-                <a:spcPct val="100000"/>
-              </a:lnSpc>
-            </a:pPr>
-            <a:r>
-              <a:rPr lang="en-US" sz="1800" b="0" strike="noStrike" spc="-1">
-                <a:solidFill>
-                  <a:srgbClr val="000000"/>
-                </a:solidFill>
-                <a:latin typeface="Calibri"/>
-                <a:ea typeface="DejaVu Sans"/>
-              </a:rPr>
-              <a:t>Checks if the equation is quadratic</a:t>
-            </a:r>
-            <a:endParaRPr lang="en-US" sz="1800" b="0" strike="noStrike" spc="-1">
-              <a:latin typeface="Arial"/>
-            </a:endParaRPr>
-          </a:p>
-        </p:txBody>
-      </p:sp>
-      <p:sp>
-        <p:nvSpPr>
-          <p:cNvPr id="314" name="CustomShape 25"/>
-          <p:cNvSpPr/>
-          <p:nvPr/>
-        </p:nvSpPr>
-        <p:spPr>
-          <a:xfrm>
-            <a:off x="2892240" y="2814480"/>
-            <a:ext cx="4976280" cy="363960"/>
-          </a:xfrm>
-          <a:prstGeom prst="rect">
-            <a:avLst/>
-          </a:prstGeom>
-          <a:noFill/>
-          <a:ln>
-            <a:noFill/>
-          </a:ln>
-        </p:spPr>
-        <p:style>
-          <a:lnRef idx="0">
-            <a:scrgbClr r="0" g="0" b="0"/>
-          </a:lnRef>
-          <a:fillRef idx="0">
-            <a:scrgbClr r="0" g="0" b="0"/>
-          </a:fillRef>
-          <a:effectRef idx="0">
-            <a:scrgbClr r="0" g="0" b="0"/>
-          </a:effectRef>
-          <a:fontRef idx="minor"/>
-        </p:style>
-        <p:txBody>
-          <a:bodyPr wrap="none" lIns="90000" tIns="45000" rIns="90000" bIns="45000"/>
-          <a:lstStyle/>
-          <a:p>
-            <a:pPr>
-              <a:lnSpc>
-                <a:spcPct val="100000"/>
-              </a:lnSpc>
-            </a:pPr>
-            <a:r>
-              <a:rPr lang="en-US" sz="1800" b="0" strike="noStrike" spc="-1">
-                <a:solidFill>
-                  <a:srgbClr val="000000"/>
-                </a:solidFill>
-                <a:latin typeface="Calibri"/>
-                <a:ea typeface="DejaVu Sans"/>
-              </a:rPr>
-              <a:t>If equation is quadratic, a quadratic function is used</a:t>
-            </a:r>
-            <a:endParaRPr lang="en-US" sz="1800" b="0" strike="noStrike" spc="-1">
-              <a:latin typeface="Arial"/>
-            </a:endParaRPr>
-          </a:p>
-        </p:txBody>
-      </p:sp>
-      <p:sp>
-        <p:nvSpPr>
-          <p:cNvPr id="315" name="CustomShape 26"/>
-          <p:cNvSpPr/>
-          <p:nvPr/>
-        </p:nvSpPr>
-        <p:spPr>
-          <a:xfrm>
-            <a:off x="2872800" y="3227400"/>
-            <a:ext cx="6032520" cy="912600"/>
-          </a:xfrm>
-          <a:prstGeom prst="rect">
-            <a:avLst/>
-          </a:prstGeom>
-          <a:noFill/>
-          <a:ln>
-            <a:noFill/>
-          </a:ln>
-        </p:spPr>
-        <p:style>
-          <a:lnRef idx="0">
-            <a:scrgbClr r="0" g="0" b="0"/>
-          </a:lnRef>
-          <a:fillRef idx="0">
-            <a:scrgbClr r="0" g="0" b="0"/>
-          </a:fillRef>
-          <a:effectRef idx="0">
-            <a:scrgbClr r="0" g="0" b="0"/>
-          </a:effectRef>
-          <a:fontRef idx="minor"/>
-        </p:style>
-        <p:txBody>
-          <a:bodyPr wrap="none" lIns="90000" tIns="45000" rIns="90000" bIns="45000"/>
-          <a:lstStyle/>
-          <a:p>
-            <a:pPr>
-              <a:lnSpc>
-                <a:spcPct val="100000"/>
-              </a:lnSpc>
-            </a:pPr>
-            <a:r>
-              <a:rPr lang="en-US" sz="1800" b="0" strike="noStrike" spc="-1">
-                <a:solidFill>
-                  <a:srgbClr val="000000"/>
-                </a:solidFill>
-                <a:latin typeface="Calibri"/>
-                <a:ea typeface="DejaVu Sans"/>
-              </a:rPr>
-              <a:t>If the equation is linear, a linear function is used.  Also warning </a:t>
-            </a:r>
-            <a:endParaRPr lang="en-US" sz="1800" b="0" strike="noStrike" spc="-1">
-              <a:latin typeface="Arial"/>
-            </a:endParaRPr>
-          </a:p>
-          <a:p>
-            <a:pPr>
-              <a:lnSpc>
-                <a:spcPct val="100000"/>
-              </a:lnSpc>
-            </a:pPr>
-            <a:r>
-              <a:rPr lang="en-US" sz="1800" b="0" strike="noStrike" spc="-1">
-                <a:solidFill>
-                  <a:srgbClr val="000000"/>
-                </a:solidFill>
-                <a:latin typeface="Calibri"/>
-                <a:ea typeface="DejaVu Sans"/>
-              </a:rPr>
-              <a:t>message is printed out letting user know equation is linear</a:t>
-            </a:r>
-            <a:endParaRPr lang="en-US" sz="1800" b="0" strike="noStrike" spc="-1">
-              <a:latin typeface="Arial"/>
-            </a:endParaRPr>
-          </a:p>
-          <a:p>
-            <a:pPr>
-              <a:lnSpc>
-                <a:spcPct val="100000"/>
-              </a:lnSpc>
-            </a:pPr>
-            <a:endParaRPr lang="en-US" sz="1800" b="0" strike="noStrike" spc="-1">
-              <a:latin typeface="Arial"/>
-            </a:endParaRPr>
-          </a:p>
-        </p:txBody>
-      </p:sp>
-      <p:sp>
-        <p:nvSpPr>
-          <p:cNvPr id="316" name="CustomShape 27"/>
-          <p:cNvSpPr/>
-          <p:nvPr/>
-        </p:nvSpPr>
-        <p:spPr>
-          <a:xfrm>
-            <a:off x="2912760" y="4110840"/>
-            <a:ext cx="5185080" cy="363960"/>
-          </a:xfrm>
-          <a:prstGeom prst="rect">
-            <a:avLst/>
-          </a:prstGeom>
-          <a:noFill/>
-          <a:ln>
-            <a:noFill/>
-          </a:ln>
-        </p:spPr>
-        <p:style>
-          <a:lnRef idx="0">
-            <a:scrgbClr r="0" g="0" b="0"/>
-          </a:lnRef>
-          <a:fillRef idx="0">
-            <a:scrgbClr r="0" g="0" b="0"/>
-          </a:fillRef>
-          <a:effectRef idx="0">
-            <a:scrgbClr r="0" g="0" b="0"/>
-          </a:effectRef>
-          <a:fontRef idx="minor"/>
-        </p:style>
-        <p:txBody>
-          <a:bodyPr wrap="none" lIns="90000" tIns="45000" rIns="90000" bIns="45000"/>
-          <a:lstStyle/>
-          <a:p>
-            <a:pPr>
-              <a:lnSpc>
-                <a:spcPct val="100000"/>
-              </a:lnSpc>
-            </a:pPr>
-            <a:r>
-              <a:rPr lang="en-US" sz="1800" b="0" strike="noStrike" spc="-1">
-                <a:solidFill>
-                  <a:srgbClr val="000000"/>
-                </a:solidFill>
-                <a:latin typeface="Calibri"/>
-                <a:ea typeface="DejaVu Sans"/>
-              </a:rPr>
-              <a:t>Program checks to see if there are 0, 1, or 2 intercepts</a:t>
-            </a:r>
-            <a:endParaRPr lang="en-US" sz="1800" b="0" strike="noStrike" spc="-1">
-              <a:latin typeface="Arial"/>
-            </a:endParaRPr>
-          </a:p>
-        </p:txBody>
-      </p:sp>
-      <p:sp>
-        <p:nvSpPr>
-          <p:cNvPr id="317" name="CustomShape 28"/>
-          <p:cNvSpPr/>
-          <p:nvPr/>
-        </p:nvSpPr>
-        <p:spPr>
-          <a:xfrm>
-            <a:off x="2917080" y="4666320"/>
-            <a:ext cx="6128640" cy="363960"/>
-          </a:xfrm>
-          <a:prstGeom prst="rect">
-            <a:avLst/>
-          </a:prstGeom>
-          <a:noFill/>
-          <a:ln>
-            <a:noFill/>
-          </a:ln>
-        </p:spPr>
-        <p:style>
-          <a:lnRef idx="0">
-            <a:scrgbClr r="0" g="0" b="0"/>
-          </a:lnRef>
-          <a:fillRef idx="0">
-            <a:scrgbClr r="0" g="0" b="0"/>
-          </a:fillRef>
-          <a:effectRef idx="0">
-            <a:scrgbClr r="0" g="0" b="0"/>
-          </a:effectRef>
-          <a:fontRef idx="minor"/>
-        </p:style>
-        <p:txBody>
-          <a:bodyPr wrap="none" lIns="90000" tIns="45000" rIns="90000" bIns="45000"/>
-          <a:lstStyle/>
-          <a:p>
-            <a:pPr>
-              <a:lnSpc>
-                <a:spcPct val="100000"/>
-              </a:lnSpc>
-            </a:pPr>
-            <a:r>
-              <a:rPr lang="en-US" sz="1800" b="0" strike="noStrike" spc="-1">
-                <a:solidFill>
-                  <a:srgbClr val="000000"/>
-                </a:solidFill>
-                <a:latin typeface="Calibri"/>
-                <a:ea typeface="DejaVu Sans"/>
-              </a:rPr>
-              <a:t>Program outputs message to user which contains # of intercepts</a:t>
-            </a:r>
-            <a:endParaRPr lang="en-US" sz="1800" b="0" strike="noStrike" spc="-1">
-              <a:latin typeface="Arial"/>
-            </a:endParaRPr>
-          </a:p>
-        </p:txBody>
-      </p:sp>
-      <p:sp>
-        <p:nvSpPr>
-          <p:cNvPr id="318" name="CustomShape 29"/>
-          <p:cNvSpPr/>
-          <p:nvPr/>
-        </p:nvSpPr>
-        <p:spPr>
-          <a:xfrm>
-            <a:off x="2931120" y="5126760"/>
-            <a:ext cx="5947200" cy="638280"/>
-          </a:xfrm>
-          <a:prstGeom prst="rect">
-            <a:avLst/>
-          </a:prstGeom>
-          <a:noFill/>
-          <a:ln>
-            <a:noFill/>
-          </a:ln>
-        </p:spPr>
-        <p:style>
-          <a:lnRef idx="0">
-            <a:scrgbClr r="0" g="0" b="0"/>
-          </a:lnRef>
-          <a:fillRef idx="0">
-            <a:scrgbClr r="0" g="0" b="0"/>
-          </a:fillRef>
-          <a:effectRef idx="0">
-            <a:scrgbClr r="0" g="0" b="0"/>
-          </a:effectRef>
-          <a:fontRef idx="minor"/>
-        </p:style>
-        <p:txBody>
-          <a:bodyPr wrap="none" lIns="90000" tIns="45000" rIns="90000" bIns="45000"/>
-          <a:lstStyle/>
-          <a:p>
-            <a:pPr>
-              <a:lnSpc>
-                <a:spcPct val="100000"/>
-              </a:lnSpc>
-            </a:pPr>
-            <a:r>
-              <a:rPr lang="en-US" sz="1800" b="0" strike="noStrike" spc="-1">
-                <a:solidFill>
-                  <a:srgbClr val="000000"/>
-                </a:solidFill>
-                <a:latin typeface="Calibri"/>
-                <a:ea typeface="DejaVu Sans"/>
-              </a:rPr>
-              <a:t>Program checks accuracy of answer and if it is not in the range</a:t>
-            </a:r>
-            <a:endParaRPr lang="en-US" sz="1800" b="0" strike="noStrike" spc="-1">
-              <a:latin typeface="Arial"/>
-            </a:endParaRPr>
-          </a:p>
-          <a:p>
-            <a:pPr>
-              <a:lnSpc>
-                <a:spcPct val="100000"/>
-              </a:lnSpc>
-            </a:pPr>
-            <a:r>
-              <a:rPr lang="en-US" sz="1800" b="0" strike="noStrike" spc="-1">
-                <a:solidFill>
-                  <a:srgbClr val="000000"/>
-                </a:solidFill>
-                <a:latin typeface="Calibri"/>
-                <a:ea typeface="DejaVu Sans"/>
-              </a:rPr>
-              <a:t>of .0001 then a warning message is outputted to the user</a:t>
-            </a:r>
-            <a:endParaRPr lang="en-US" sz="1800" b="0" strike="noStrike" spc="-1">
-              <a:latin typeface="Arial"/>
-            </a:endParaRPr>
-          </a:p>
-        </p:txBody>
-      </p:sp>
-      <p:sp>
-        <p:nvSpPr>
-          <p:cNvPr id="319" name="CustomShape 30"/>
-          <p:cNvSpPr/>
-          <p:nvPr/>
-        </p:nvSpPr>
-        <p:spPr>
-          <a:xfrm>
-            <a:off x="1043280" y="1459800"/>
-            <a:ext cx="1809360" cy="363960"/>
-          </a:xfrm>
-          <a:prstGeom prst="rect">
-            <a:avLst/>
-          </a:prstGeom>
-          <a:noFill/>
-          <a:ln>
-            <a:noFill/>
-          </a:ln>
-        </p:spPr>
-        <p:style>
-          <a:lnRef idx="0">
-            <a:scrgbClr r="0" g="0" b="0"/>
-          </a:lnRef>
-          <a:fillRef idx="0">
-            <a:scrgbClr r="0" g="0" b="0"/>
-          </a:fillRef>
-          <a:effectRef idx="0">
-            <a:scrgbClr r="0" g="0" b="0"/>
-          </a:effectRef>
-          <a:fontRef idx="minor"/>
-        </p:style>
-        <p:txBody>
-          <a:bodyPr wrap="none" lIns="90000" tIns="45000" rIns="90000" bIns="45000"/>
-          <a:lstStyle/>
-          <a:p>
-            <a:pPr>
-              <a:lnSpc>
-                <a:spcPct val="100000"/>
-              </a:lnSpc>
-            </a:pPr>
-            <a:r>
-              <a:rPr lang="en-US" sz="1800" b="0" strike="noStrike" spc="-1">
+              <a:rPr lang="en-US" sz="1800" b="0" strike="noStrike" spc="-1" dirty="0">
                 <a:solidFill>
                   <a:srgbClr val="000000"/>
                 </a:solidFill>
@@ -7104,363 +6682,7 @@
               </a:rPr>
               <a:t>Collect user input</a:t>
             </a:r>
-            <a:endParaRPr lang="en-US" sz="1800" b="0" strike="noStrike" spc="-1">
-              <a:latin typeface="Arial"/>
-            </a:endParaRPr>
-          </a:p>
-        </p:txBody>
-      </p:sp>
-      <p:sp>
-        <p:nvSpPr>
-          <p:cNvPr id="320" name="CustomShape 31"/>
-          <p:cNvSpPr/>
-          <p:nvPr/>
-        </p:nvSpPr>
-        <p:spPr>
-          <a:xfrm>
-            <a:off x="1059120" y="1920240"/>
-            <a:ext cx="1667880" cy="363960"/>
-          </a:xfrm>
-          <a:prstGeom prst="rect">
-            <a:avLst/>
-          </a:prstGeom>
-          <a:noFill/>
-          <a:ln>
-            <a:noFill/>
-          </a:ln>
-        </p:spPr>
-        <p:style>
-          <a:lnRef idx="0">
-            <a:scrgbClr r="0" g="0" b="0"/>
-          </a:lnRef>
-          <a:fillRef idx="0">
-            <a:scrgbClr r="0" g="0" b="0"/>
-          </a:fillRef>
-          <a:effectRef idx="0">
-            <a:scrgbClr r="0" g="0" b="0"/>
-          </a:effectRef>
-          <a:fontRef idx="minor"/>
-        </p:style>
-        <p:txBody>
-          <a:bodyPr wrap="none" lIns="90000" tIns="45000" rIns="90000" bIns="45000"/>
-          <a:lstStyle/>
-          <a:p>
-            <a:pPr>
-              <a:lnSpc>
-                <a:spcPct val="100000"/>
-              </a:lnSpc>
-            </a:pPr>
-            <a:r>
-              <a:rPr lang="en-US" sz="1800" b="0" strike="noStrike" spc="-1">
-                <a:solidFill>
-                  <a:srgbClr val="000000"/>
-                </a:solidFill>
-                <a:latin typeface="Calibri"/>
-                <a:ea typeface="DejaVu Sans"/>
-              </a:rPr>
-              <a:t>Store user input</a:t>
-            </a:r>
-            <a:endParaRPr lang="en-US" sz="1800" b="0" strike="noStrike" spc="-1">
-              <a:latin typeface="Arial"/>
-            </a:endParaRPr>
-          </a:p>
-        </p:txBody>
-      </p:sp>
-      <p:sp>
-        <p:nvSpPr>
-          <p:cNvPr id="321" name="CustomShape 32"/>
-          <p:cNvSpPr/>
-          <p:nvPr/>
-        </p:nvSpPr>
-        <p:spPr>
-          <a:xfrm>
-            <a:off x="1055160" y="2348640"/>
-            <a:ext cx="1266840" cy="363960"/>
-          </a:xfrm>
-          <a:prstGeom prst="rect">
-            <a:avLst/>
-          </a:prstGeom>
-          <a:noFill/>
-          <a:ln>
-            <a:noFill/>
-          </a:ln>
-        </p:spPr>
-        <p:style>
-          <a:lnRef idx="0">
-            <a:scrgbClr r="0" g="0" b="0"/>
-          </a:lnRef>
-          <a:fillRef idx="0">
-            <a:scrgbClr r="0" g="0" b="0"/>
-          </a:fillRef>
-          <a:effectRef idx="0">
-            <a:scrgbClr r="0" g="0" b="0"/>
-          </a:effectRef>
-          <a:fontRef idx="minor"/>
-        </p:style>
-        <p:txBody>
-          <a:bodyPr wrap="none" lIns="90000" tIns="45000" rIns="90000" bIns="45000"/>
-          <a:lstStyle/>
-          <a:p>
-            <a:pPr>
-              <a:lnSpc>
-                <a:spcPct val="100000"/>
-              </a:lnSpc>
-            </a:pPr>
-            <a:r>
-              <a:rPr lang="en-US" sz="1800" b="0" strike="noStrike" spc="-1">
-                <a:solidFill>
-                  <a:srgbClr val="000000"/>
-                </a:solidFill>
-                <a:latin typeface="Calibri"/>
-                <a:ea typeface="DejaVu Sans"/>
-              </a:rPr>
-              <a:t>Quad check</a:t>
-            </a:r>
-            <a:endParaRPr lang="en-US" sz="1800" b="0" strike="noStrike" spc="-1">
-              <a:latin typeface="Arial"/>
-            </a:endParaRPr>
-          </a:p>
-        </p:txBody>
-      </p:sp>
-      <p:sp>
-        <p:nvSpPr>
-          <p:cNvPr id="322" name="CustomShape 33"/>
-          <p:cNvSpPr/>
-          <p:nvPr/>
-        </p:nvSpPr>
-        <p:spPr>
-          <a:xfrm>
-            <a:off x="1057320" y="2809080"/>
-            <a:ext cx="1334160" cy="363960"/>
-          </a:xfrm>
-          <a:prstGeom prst="rect">
-            <a:avLst/>
-          </a:prstGeom>
-          <a:noFill/>
-          <a:ln>
-            <a:noFill/>
-          </a:ln>
-        </p:spPr>
-        <p:style>
-          <a:lnRef idx="0">
-            <a:scrgbClr r="0" g="0" b="0"/>
-          </a:lnRef>
-          <a:fillRef idx="0">
-            <a:scrgbClr r="0" g="0" b="0"/>
-          </a:fillRef>
-          <a:effectRef idx="0">
-            <a:scrgbClr r="0" g="0" b="0"/>
-          </a:effectRef>
-          <a:fontRef idx="minor"/>
-        </p:style>
-        <p:txBody>
-          <a:bodyPr wrap="none" lIns="90000" tIns="45000" rIns="90000" bIns="45000"/>
-          <a:lstStyle/>
-          <a:p>
-            <a:pPr>
-              <a:lnSpc>
-                <a:spcPct val="100000"/>
-              </a:lnSpc>
-            </a:pPr>
-            <a:r>
-              <a:rPr lang="en-US" sz="1800" b="0" strike="noStrike" spc="-1">
-                <a:solidFill>
-                  <a:srgbClr val="000000"/>
-                </a:solidFill>
-                <a:latin typeface="Calibri"/>
-                <a:ea typeface="DejaVu Sans"/>
-              </a:rPr>
-              <a:t>Linear check</a:t>
-            </a:r>
-            <a:endParaRPr lang="en-US" sz="1800" b="0" strike="noStrike" spc="-1">
-              <a:latin typeface="Arial"/>
-            </a:endParaRPr>
-          </a:p>
-        </p:txBody>
-      </p:sp>
-      <p:sp>
-        <p:nvSpPr>
-          <p:cNvPr id="323" name="CustomShape 34"/>
-          <p:cNvSpPr/>
-          <p:nvPr/>
-        </p:nvSpPr>
-        <p:spPr>
-          <a:xfrm>
-            <a:off x="1060200" y="3301200"/>
-            <a:ext cx="1471320" cy="638280"/>
-          </a:xfrm>
-          <a:prstGeom prst="rect">
-            <a:avLst/>
-          </a:prstGeom>
-          <a:noFill/>
-          <a:ln>
-            <a:noFill/>
-          </a:ln>
-        </p:spPr>
-        <p:style>
-          <a:lnRef idx="0">
-            <a:scrgbClr r="0" g="0" b="0"/>
-          </a:lnRef>
-          <a:fillRef idx="0">
-            <a:scrgbClr r="0" g="0" b="0"/>
-          </a:fillRef>
-          <a:effectRef idx="0">
-            <a:scrgbClr r="0" g="0" b="0"/>
-          </a:effectRef>
-          <a:fontRef idx="minor"/>
-        </p:style>
-        <p:txBody>
-          <a:bodyPr wrap="none" lIns="90000" tIns="45000" rIns="90000" bIns="45000"/>
-          <a:lstStyle/>
-          <a:p>
-            <a:pPr>
-              <a:lnSpc>
-                <a:spcPct val="100000"/>
-              </a:lnSpc>
-            </a:pPr>
-            <a:r>
-              <a:rPr lang="en-US" sz="1800" b="0" strike="noStrike" spc="-1">
-                <a:solidFill>
-                  <a:srgbClr val="000000"/>
-                </a:solidFill>
-                <a:latin typeface="Calibri"/>
-                <a:ea typeface="DejaVu Sans"/>
-              </a:rPr>
-              <a:t>Equation type</a:t>
-            </a:r>
-            <a:endParaRPr lang="en-US" sz="1800" b="0" strike="noStrike" spc="-1">
-              <a:latin typeface="Arial"/>
-            </a:endParaRPr>
-          </a:p>
-          <a:p>
-            <a:pPr>
-              <a:lnSpc>
-                <a:spcPct val="100000"/>
-              </a:lnSpc>
-            </a:pPr>
-            <a:r>
-              <a:rPr lang="en-US" sz="1800" b="0" strike="noStrike" spc="-1">
-                <a:solidFill>
-                  <a:srgbClr val="000000"/>
-                </a:solidFill>
-                <a:latin typeface="Calibri"/>
-                <a:ea typeface="DejaVu Sans"/>
-              </a:rPr>
-              <a:t>check</a:t>
-            </a:r>
-            <a:endParaRPr lang="en-US" sz="1800" b="0" strike="noStrike" spc="-1">
-              <a:latin typeface="Arial"/>
-            </a:endParaRPr>
-          </a:p>
-        </p:txBody>
-      </p:sp>
-      <p:sp>
-        <p:nvSpPr>
-          <p:cNvPr id="324" name="CustomShape 35"/>
-          <p:cNvSpPr/>
-          <p:nvPr/>
-        </p:nvSpPr>
-        <p:spPr>
-          <a:xfrm>
-            <a:off x="1062360" y="4142520"/>
-            <a:ext cx="1518480" cy="363960"/>
-          </a:xfrm>
-          <a:prstGeom prst="rect">
-            <a:avLst/>
-          </a:prstGeom>
-          <a:noFill/>
-          <a:ln>
-            <a:noFill/>
-          </a:ln>
-        </p:spPr>
-        <p:style>
-          <a:lnRef idx="0">
-            <a:scrgbClr r="0" g="0" b="0"/>
-          </a:lnRef>
-          <a:fillRef idx="0">
-            <a:scrgbClr r="0" g="0" b="0"/>
-          </a:fillRef>
-          <a:effectRef idx="0">
-            <a:scrgbClr r="0" g="0" b="0"/>
-          </a:effectRef>
-          <a:fontRef idx="minor"/>
-        </p:style>
-        <p:txBody>
-          <a:bodyPr wrap="none" lIns="90000" tIns="45000" rIns="90000" bIns="45000"/>
-          <a:lstStyle/>
-          <a:p>
-            <a:pPr>
-              <a:lnSpc>
-                <a:spcPct val="100000"/>
-              </a:lnSpc>
-            </a:pPr>
-            <a:r>
-              <a:rPr lang="en-US" sz="1800" b="0" strike="noStrike" spc="-1">
-                <a:solidFill>
-                  <a:srgbClr val="000000"/>
-                </a:solidFill>
-                <a:latin typeface="Calibri"/>
-                <a:ea typeface="DejaVu Sans"/>
-              </a:rPr>
-              <a:t># of intercepts</a:t>
-            </a:r>
-            <a:endParaRPr lang="en-US" sz="1800" b="0" strike="noStrike" spc="-1">
-              <a:latin typeface="Arial"/>
-            </a:endParaRPr>
-          </a:p>
-        </p:txBody>
-      </p:sp>
-      <p:sp>
-        <p:nvSpPr>
-          <p:cNvPr id="325" name="CustomShape 36"/>
-          <p:cNvSpPr/>
-          <p:nvPr/>
-        </p:nvSpPr>
-        <p:spPr>
-          <a:xfrm>
-            <a:off x="1078920" y="4650480"/>
-            <a:ext cx="1878120" cy="363960"/>
-          </a:xfrm>
-          <a:prstGeom prst="rect">
-            <a:avLst/>
-          </a:prstGeom>
-          <a:noFill/>
-          <a:ln>
-            <a:noFill/>
-          </a:ln>
-        </p:spPr>
-        <p:style>
-          <a:lnRef idx="0">
-            <a:scrgbClr r="0" g="0" b="0"/>
-          </a:lnRef>
-          <a:fillRef idx="0">
-            <a:scrgbClr r="0" g="0" b="0"/>
-          </a:fillRef>
-          <a:effectRef idx="0">
-            <a:scrgbClr r="0" g="0" b="0"/>
-          </a:effectRef>
-          <a:fontRef idx="minor"/>
-        </p:style>
-        <p:txBody>
-          <a:bodyPr wrap="none" lIns="90000" tIns="45000" rIns="90000" bIns="45000"/>
-          <a:lstStyle/>
-          <a:p>
-            <a:pPr>
-              <a:lnSpc>
-                <a:spcPct val="100000"/>
-              </a:lnSpc>
-            </a:pPr>
-            <a:r>
-              <a:rPr lang="en-US" sz="1800" b="0" strike="noStrike" spc="-1">
-                <a:solidFill>
-                  <a:srgbClr val="000000"/>
-                </a:solidFill>
-                <a:latin typeface="Calibri"/>
-                <a:ea typeface="DejaVu Sans"/>
-              </a:rPr>
-              <a:t>Intercept # output</a:t>
-            </a:r>
-            <a:endParaRPr lang="en-US" sz="1800" b="0" strike="noStrike" spc="-1">
+            <a:endParaRPr lang="en-US" sz="1800" b="0" strike="noStrike" spc="-1" dirty="0">
               <a:latin typeface="Arial"/>
             </a:endParaRPr>
           </a:p>
@@ -7524,62 +6746,6 @@
       </p:sp>
       <p:sp>
         <p:nvSpPr>
-          <p:cNvPr id="327" name="CustomShape 38"/>
-          <p:cNvSpPr/>
-          <p:nvPr/>
-        </p:nvSpPr>
-        <p:spPr>
-          <a:xfrm>
-            <a:off x="1065240" y="5222160"/>
-            <a:ext cx="1591560" cy="363960"/>
-          </a:xfrm>
-          <a:prstGeom prst="rect">
-            <a:avLst/>
-          </a:prstGeom>
-          <a:noFill/>
-          <a:ln>
-            <a:noFill/>
-          </a:ln>
-        </p:spPr>
-        <p:style>
-          <a:lnRef idx="0">
-            <a:scrgbClr r="0" g="0" b="0"/>
-          </a:lnRef>
-          <a:fillRef idx="0">
-            <a:scrgbClr r="0" g="0" b="0"/>
-          </a:fillRef>
-          <a:effectRef idx="0">
-            <a:scrgbClr r="0" g="0" b="0"/>
-          </a:effectRef>
-          <a:fontRef idx="minor"/>
-        </p:style>
-        <p:txBody>
-          <a:bodyPr wrap="none" lIns="90000" tIns="45000" rIns="90000" bIns="45000"/>
-          <a:lstStyle/>
-          <a:p>
-            <a:pPr>
-              <a:lnSpc>
-                <a:spcPct val="100000"/>
-              </a:lnSpc>
-            </a:pPr>
-            <a:r>
-              <a:rPr lang="en-US" sz="1800" b="0" strike="noStrike" spc="-1">
-                <a:solidFill>
-                  <a:srgbClr val="000000"/>
-                </a:solidFill>
-                <a:latin typeface="Calibri"/>
-                <a:ea typeface="DejaVu Sans"/>
-              </a:rPr>
-              <a:t>Accuracy check</a:t>
-            </a:r>
-            <a:endParaRPr lang="en-US" sz="1800" b="0" strike="noStrike" spc="-1">
-              <a:latin typeface="Arial"/>
-            </a:endParaRPr>
-          </a:p>
-        </p:txBody>
-      </p:sp>
-      <p:sp>
-        <p:nvSpPr>
           <p:cNvPr id="328" name="CustomShape 39"/>
           <p:cNvSpPr/>
           <p:nvPr/>
@@ -7699,7 +6865,7 @@
     <mc:Choice Requires="p14">
       <p:transition spd="slow" p14:dur="2000"/>
     </mc:Choice>
-    <mc:Fallback xmlns="" xmlns:p15="http://schemas.microsoft.com/office/powerpoint/2012/main">
+    <mc:Fallback xmlns:p15="http://schemas.microsoft.com/office/powerpoint/2012/main" xmlns="">
       <p:transition spd="slow"/>
     </mc:Fallback>
   </mc:AlternateContent>
